--- a/宣道詩/(宣道詩63)跟隨耶穌.pptx
+++ b/宣道詩/(宣道詩63)跟隨耶穌.pptx
@@ -16,7 +16,7 @@
     <p:sldId id="264" r:id="rId10"/>
     <p:sldId id="265" r:id="rId11"/>
   </p:sldIdLst>
-  <p:sldSz cx="9144000" cy="6858000" type="screen4x3"/>
+  <p:sldSz cx="12192000" cy="6858000"/>
   <p:notesSz cx="6858000" cy="9144000"/>
   <p:defaultTextStyle>
     <a:defPPr>
@@ -113,6 +113,22 @@
       </a:defRPr>
     </a:lvl9pPr>
   </p:defaultTextStyle>
+  <p:extLst>
+    <p:ext uri="{EFAFB233-063F-42B5-8137-9DF3F51BA10A}">
+      <p15:sldGuideLst xmlns:p15="http://schemas.microsoft.com/office/powerpoint/2012/main">
+        <p15:guide id="1" orient="horz" pos="2160" userDrawn="1">
+          <p15:clr>
+            <a:srgbClr val="A4A3A4"/>
+          </p15:clr>
+        </p15:guide>
+        <p15:guide id="2" pos="3840" userDrawn="1">
+          <p15:clr>
+            <a:srgbClr val="A4A3A4"/>
+          </p15:clr>
+        </p15:guide>
+      </p15:sldGuideLst>
+    </p:ext>
+  </p:extLst>
 </p:presentation>
 </file>
 
@@ -145,8 +161,8 @@
         </p:nvSpPr>
         <p:spPr>
           <a:xfrm>
-            <a:off x="685800" y="2130425"/>
-            <a:ext cx="7772400" cy="1470025"/>
+            <a:off x="914400" y="2130426"/>
+            <a:ext cx="10363200" cy="1470025"/>
           </a:xfrm>
         </p:spPr>
         <p:txBody>
@@ -173,8 +189,8 @@
         </p:nvSpPr>
         <p:spPr>
           <a:xfrm>
-            <a:off x="1371600" y="3886200"/>
-            <a:ext cx="6400800" cy="1752600"/>
+            <a:off x="1828800" y="3886200"/>
+            <a:ext cx="8534400" cy="1752600"/>
           </a:xfrm>
         </p:spPr>
         <p:txBody>
@@ -298,7 +314,7 @@
             <a:fld id="{79CA908C-E329-4D7F-A8EE-5083F176DB87}" type="datetimeFigureOut">
               <a:rPr lang="zh-TW" altLang="en-US" smtClean="0"/>
               <a:pPr/>
-              <a:t>2018/1/6</a:t>
+              <a:t>2020/8/15</a:t>
             </a:fld>
             <a:endParaRPr lang="zh-TW" altLang="en-US"/>
           </a:p>
@@ -465,7 +481,7 @@
             <a:fld id="{79CA908C-E329-4D7F-A8EE-5083F176DB87}" type="datetimeFigureOut">
               <a:rPr lang="zh-TW" altLang="en-US" smtClean="0"/>
               <a:pPr/>
-              <a:t>2018/1/6</a:t>
+              <a:t>2020/8/15</a:t>
             </a:fld>
             <a:endParaRPr lang="zh-TW" altLang="en-US"/>
           </a:p>
@@ -551,8 +567,8 @@
         </p:nvSpPr>
         <p:spPr>
           <a:xfrm>
-            <a:off x="6629400" y="274638"/>
-            <a:ext cx="2057400" cy="5851525"/>
+            <a:off x="8839200" y="274639"/>
+            <a:ext cx="2743200" cy="5851525"/>
           </a:xfrm>
         </p:spPr>
         <p:txBody>
@@ -579,8 +595,8 @@
         </p:nvSpPr>
         <p:spPr>
           <a:xfrm>
-            <a:off x="457200" y="274638"/>
-            <a:ext cx="6019800" cy="5851525"/>
+            <a:off x="609600" y="274639"/>
+            <a:ext cx="8026400" cy="5851525"/>
           </a:xfrm>
         </p:spPr>
         <p:txBody>
@@ -642,7 +658,7 @@
             <a:fld id="{79CA908C-E329-4D7F-A8EE-5083F176DB87}" type="datetimeFigureOut">
               <a:rPr lang="zh-TW" altLang="en-US" smtClean="0"/>
               <a:pPr/>
-              <a:t>2018/1/6</a:t>
+              <a:t>2020/8/15</a:t>
             </a:fld>
             <a:endParaRPr lang="zh-TW" altLang="en-US"/>
           </a:p>
@@ -809,7 +825,7 @@
             <a:fld id="{79CA908C-E329-4D7F-A8EE-5083F176DB87}" type="datetimeFigureOut">
               <a:rPr lang="zh-TW" altLang="en-US" smtClean="0"/>
               <a:pPr/>
-              <a:t>2018/1/6</a:t>
+              <a:t>2020/8/15</a:t>
             </a:fld>
             <a:endParaRPr lang="zh-TW" altLang="en-US"/>
           </a:p>
@@ -895,8 +911,8 @@
         </p:nvSpPr>
         <p:spPr>
           <a:xfrm>
-            <a:off x="722313" y="4406900"/>
-            <a:ext cx="7772400" cy="1362075"/>
+            <a:off x="963084" y="4406901"/>
+            <a:ext cx="10363200" cy="1362075"/>
           </a:xfrm>
         </p:spPr>
         <p:txBody>
@@ -927,8 +943,8 @@
         </p:nvSpPr>
         <p:spPr>
           <a:xfrm>
-            <a:off x="722313" y="2906713"/>
-            <a:ext cx="7772400" cy="1500187"/>
+            <a:off x="963084" y="2906713"/>
+            <a:ext cx="10363200" cy="1500187"/>
           </a:xfrm>
         </p:spPr>
         <p:txBody>
@@ -1052,7 +1068,7 @@
             <a:fld id="{79CA908C-E329-4D7F-A8EE-5083F176DB87}" type="datetimeFigureOut">
               <a:rPr lang="zh-TW" altLang="en-US" smtClean="0"/>
               <a:pPr/>
-              <a:t>2018/1/6</a:t>
+              <a:t>2020/8/15</a:t>
             </a:fld>
             <a:endParaRPr lang="zh-TW" altLang="en-US"/>
           </a:p>
@@ -1161,8 +1177,8 @@
         </p:nvSpPr>
         <p:spPr>
           <a:xfrm>
-            <a:off x="457200" y="1600200"/>
-            <a:ext cx="4038600" cy="4525963"/>
+            <a:off x="609600" y="1600201"/>
+            <a:ext cx="5384800" cy="4525963"/>
           </a:xfrm>
         </p:spPr>
         <p:txBody>
@@ -1246,8 +1262,8 @@
         </p:nvSpPr>
         <p:spPr>
           <a:xfrm>
-            <a:off x="4648200" y="1600200"/>
-            <a:ext cx="4038600" cy="4525963"/>
+            <a:off x="6197600" y="1600201"/>
+            <a:ext cx="5384800" cy="4525963"/>
           </a:xfrm>
         </p:spPr>
         <p:txBody>
@@ -1337,7 +1353,7 @@
             <a:fld id="{79CA908C-E329-4D7F-A8EE-5083F176DB87}" type="datetimeFigureOut">
               <a:rPr lang="zh-TW" altLang="en-US" smtClean="0"/>
               <a:pPr/>
-              <a:t>2018/1/6</a:t>
+              <a:t>2020/8/15</a:t>
             </a:fld>
             <a:endParaRPr lang="zh-TW" altLang="en-US"/>
           </a:p>
@@ -1450,8 +1466,8 @@
         </p:nvSpPr>
         <p:spPr>
           <a:xfrm>
-            <a:off x="457200" y="1535113"/>
-            <a:ext cx="4040188" cy="639762"/>
+            <a:off x="609600" y="1535113"/>
+            <a:ext cx="5386917" cy="639762"/>
           </a:xfrm>
         </p:spPr>
         <p:txBody>
@@ -1515,8 +1531,8 @@
         </p:nvSpPr>
         <p:spPr>
           <a:xfrm>
-            <a:off x="457200" y="2174875"/>
-            <a:ext cx="4040188" cy="3951288"/>
+            <a:off x="609600" y="2174875"/>
+            <a:ext cx="5386917" cy="3951288"/>
           </a:xfrm>
         </p:spPr>
         <p:txBody>
@@ -1600,8 +1616,8 @@
         </p:nvSpPr>
         <p:spPr>
           <a:xfrm>
-            <a:off x="4645025" y="1535113"/>
-            <a:ext cx="4041775" cy="639762"/>
+            <a:off x="6193368" y="1535113"/>
+            <a:ext cx="5389033" cy="639762"/>
           </a:xfrm>
         </p:spPr>
         <p:txBody>
@@ -1665,8 +1681,8 @@
         </p:nvSpPr>
         <p:spPr>
           <a:xfrm>
-            <a:off x="4645025" y="2174875"/>
-            <a:ext cx="4041775" cy="3951288"/>
+            <a:off x="6193368" y="2174875"/>
+            <a:ext cx="5389033" cy="3951288"/>
           </a:xfrm>
         </p:spPr>
         <p:txBody>
@@ -1756,7 +1772,7 @@
             <a:fld id="{79CA908C-E329-4D7F-A8EE-5083F176DB87}" type="datetimeFigureOut">
               <a:rPr lang="zh-TW" altLang="en-US" smtClean="0"/>
               <a:pPr/>
-              <a:t>2018/1/6</a:t>
+              <a:t>2020/8/15</a:t>
             </a:fld>
             <a:endParaRPr lang="zh-TW" altLang="en-US"/>
           </a:p>
@@ -1871,7 +1887,7 @@
             <a:fld id="{79CA908C-E329-4D7F-A8EE-5083F176DB87}" type="datetimeFigureOut">
               <a:rPr lang="zh-TW" altLang="en-US" smtClean="0"/>
               <a:pPr/>
-              <a:t>2018/1/6</a:t>
+              <a:t>2020/8/15</a:t>
             </a:fld>
             <a:endParaRPr lang="zh-TW" altLang="en-US"/>
           </a:p>
@@ -1963,7 +1979,7 @@
             <a:fld id="{79CA908C-E329-4D7F-A8EE-5083F176DB87}" type="datetimeFigureOut">
               <a:rPr lang="zh-TW" altLang="en-US" smtClean="0"/>
               <a:pPr/>
-              <a:t>2018/1/6</a:t>
+              <a:t>2020/8/15</a:t>
             </a:fld>
             <a:endParaRPr lang="zh-TW" altLang="en-US"/>
           </a:p>
@@ -2049,8 +2065,8 @@
         </p:nvSpPr>
         <p:spPr>
           <a:xfrm>
-            <a:off x="457200" y="273050"/>
-            <a:ext cx="3008313" cy="1162050"/>
+            <a:off x="609601" y="273050"/>
+            <a:ext cx="4011084" cy="1162050"/>
           </a:xfrm>
         </p:spPr>
         <p:txBody>
@@ -2081,8 +2097,8 @@
         </p:nvSpPr>
         <p:spPr>
           <a:xfrm>
-            <a:off x="3575050" y="273050"/>
-            <a:ext cx="5111750" cy="5853113"/>
+            <a:off x="4766733" y="273051"/>
+            <a:ext cx="6815667" cy="5853113"/>
           </a:xfrm>
         </p:spPr>
         <p:txBody>
@@ -2166,8 +2182,8 @@
         </p:nvSpPr>
         <p:spPr>
           <a:xfrm>
-            <a:off x="457200" y="1435100"/>
-            <a:ext cx="3008313" cy="4691063"/>
+            <a:off x="609601" y="1435101"/>
+            <a:ext cx="4011084" cy="4691063"/>
           </a:xfrm>
         </p:spPr>
         <p:txBody>
@@ -2237,7 +2253,7 @@
             <a:fld id="{79CA908C-E329-4D7F-A8EE-5083F176DB87}" type="datetimeFigureOut">
               <a:rPr lang="zh-TW" altLang="en-US" smtClean="0"/>
               <a:pPr/>
-              <a:t>2018/1/6</a:t>
+              <a:t>2020/8/15</a:t>
             </a:fld>
             <a:endParaRPr lang="zh-TW" altLang="en-US"/>
           </a:p>
@@ -2323,8 +2339,8 @@
         </p:nvSpPr>
         <p:spPr>
           <a:xfrm>
-            <a:off x="1792288" y="4800600"/>
-            <a:ext cx="5486400" cy="566738"/>
+            <a:off x="2389717" y="4800600"/>
+            <a:ext cx="7315200" cy="566738"/>
           </a:xfrm>
         </p:spPr>
         <p:txBody>
@@ -2355,8 +2371,8 @@
         </p:nvSpPr>
         <p:spPr>
           <a:xfrm>
-            <a:off x="1792288" y="612775"/>
-            <a:ext cx="5486400" cy="4114800"/>
+            <a:off x="2389717" y="612775"/>
+            <a:ext cx="7315200" cy="4114800"/>
           </a:xfrm>
         </p:spPr>
         <p:txBody>
@@ -2420,8 +2436,8 @@
         </p:nvSpPr>
         <p:spPr>
           <a:xfrm>
-            <a:off x="1792288" y="5367338"/>
-            <a:ext cx="5486400" cy="804862"/>
+            <a:off x="2389717" y="5367338"/>
+            <a:ext cx="7315200" cy="804862"/>
           </a:xfrm>
         </p:spPr>
         <p:txBody>
@@ -2491,7 +2507,7 @@
             <a:fld id="{79CA908C-E329-4D7F-A8EE-5083F176DB87}" type="datetimeFigureOut">
               <a:rPr lang="zh-TW" altLang="en-US" smtClean="0"/>
               <a:pPr/>
-              <a:t>2018/1/6</a:t>
+              <a:t>2020/8/15</a:t>
             </a:fld>
             <a:endParaRPr lang="zh-TW" altLang="en-US"/>
           </a:p>
@@ -2587,8 +2603,8 @@
         </p:nvSpPr>
         <p:spPr>
           <a:xfrm>
-            <a:off x="457200" y="274638"/>
-            <a:ext cx="8229600" cy="1143000"/>
+            <a:off x="609600" y="274638"/>
+            <a:ext cx="10972800" cy="1143000"/>
           </a:xfrm>
           <a:prstGeom prst="rect">
             <a:avLst/>
@@ -2620,8 +2636,8 @@
         </p:nvSpPr>
         <p:spPr>
           <a:xfrm>
-            <a:off x="457200" y="1600200"/>
-            <a:ext cx="8229600" cy="4525963"/>
+            <a:off x="609600" y="1600201"/>
+            <a:ext cx="10972800" cy="4525963"/>
           </a:xfrm>
           <a:prstGeom prst="rect">
             <a:avLst/>
@@ -2682,8 +2698,8 @@
         </p:nvSpPr>
         <p:spPr>
           <a:xfrm>
-            <a:off x="457200" y="6356350"/>
-            <a:ext cx="2133600" cy="365125"/>
+            <a:off x="609600" y="6356351"/>
+            <a:ext cx="2844800" cy="365125"/>
           </a:xfrm>
           <a:prstGeom prst="rect">
             <a:avLst/>
@@ -2706,7 +2722,7 @@
             <a:fld id="{79CA908C-E329-4D7F-A8EE-5083F176DB87}" type="datetimeFigureOut">
               <a:rPr lang="zh-TW" altLang="en-US" smtClean="0"/>
               <a:pPr/>
-              <a:t>2018/1/6</a:t>
+              <a:t>2020/8/15</a:t>
             </a:fld>
             <a:endParaRPr lang="zh-TW" altLang="en-US"/>
           </a:p>
@@ -2724,8 +2740,8 @@
         </p:nvSpPr>
         <p:spPr>
           <a:xfrm>
-            <a:off x="3124200" y="6356350"/>
-            <a:ext cx="2895600" cy="365125"/>
+            <a:off x="4165600" y="6356351"/>
+            <a:ext cx="3860800" cy="365125"/>
           </a:xfrm>
           <a:prstGeom prst="rect">
             <a:avLst/>
@@ -2761,8 +2777,8 @@
         </p:nvSpPr>
         <p:spPr>
           <a:xfrm>
-            <a:off x="6553200" y="6356350"/>
-            <a:ext cx="2133600" cy="365125"/>
+            <a:off x="8737600" y="6356351"/>
+            <a:ext cx="2844800" cy="365125"/>
           </a:xfrm>
           <a:prstGeom prst="rect">
             <a:avLst/>
@@ -3089,11 +3105,13 @@
         </p:nvSpPr>
         <p:spPr/>
         <p:txBody>
-          <a:bodyPr/>
-          <a:lstStyle/>
-          <a:p>
-            <a:r>
-              <a:rPr lang="zh-CN" altLang="en-US" b="1" dirty="0" smtClean="0">
+          <a:bodyPr>
+            <a:normAutofit/>
+          </a:bodyPr>
+          <a:lstStyle/>
+          <a:p>
+            <a:r>
+              <a:rPr lang="zh-CN" altLang="en-US" sz="4800" b="1" dirty="0" smtClean="0">
                 <a:solidFill>
                   <a:srgbClr val="660033"/>
                 </a:solidFill>
@@ -3102,7 +3120,7 @@
               </a:rPr>
               <a:t>跟隨耶穌</a:t>
             </a:r>
-            <a:endParaRPr lang="zh-TW" altLang="en-US" b="1" dirty="0">
+            <a:endParaRPr lang="zh-TW" altLang="en-US" sz="4800" b="1" dirty="0">
               <a:solidFill>
                 <a:srgbClr val="660033"/>
               </a:solidFill>
@@ -3124,7 +3142,7 @@
         </p:nvSpPr>
         <p:spPr>
           <a:xfrm>
-            <a:off x="0" y="1600200"/>
+            <a:off x="1524000" y="1600200"/>
             <a:ext cx="9144000" cy="5257800"/>
           </a:xfrm>
         </p:spPr>
@@ -3138,7 +3156,7 @@
               <a:buNone/>
             </a:pPr>
             <a:r>
-              <a:rPr lang="zh-CN" altLang="en-US" sz="5400" b="1" dirty="0" smtClean="0">
+              <a:rPr lang="zh-CN" altLang="en-US" sz="5400" b="1" dirty="0">
                 <a:solidFill>
                   <a:srgbClr val="660033"/>
                 </a:solidFill>
@@ -3147,7 +3165,7 @@
               </a:rPr>
               <a:t>今已明聞救主招呼</a:t>
             </a:r>
-            <a:endParaRPr lang="en-US" altLang="zh-CN" sz="5400" b="1" dirty="0" smtClean="0">
+            <a:endParaRPr lang="en-US" altLang="zh-CN" sz="5400" b="1" dirty="0">
               <a:solidFill>
                 <a:srgbClr val="660033"/>
               </a:solidFill>
@@ -3160,7 +3178,7 @@
               <a:buNone/>
             </a:pPr>
             <a:r>
-              <a:rPr lang="zh-CN" altLang="en-US" sz="5400" b="1" dirty="0" smtClean="0">
+              <a:rPr lang="zh-CN" altLang="en-US" sz="5400" b="1" dirty="0">
                 <a:solidFill>
                   <a:srgbClr val="660033"/>
                 </a:solidFill>
@@ -3169,7 +3187,7 @@
               </a:rPr>
               <a:t>今已明聞救主招呼</a:t>
             </a:r>
-            <a:endParaRPr lang="en-US" altLang="zh-CN" sz="5400" b="1" dirty="0" smtClean="0">
+            <a:endParaRPr lang="en-US" altLang="zh-CN" sz="5400" b="1" dirty="0">
               <a:solidFill>
                 <a:srgbClr val="660033"/>
               </a:solidFill>
@@ -3182,7 +3200,7 @@
               <a:buNone/>
             </a:pPr>
             <a:r>
-              <a:rPr lang="zh-CN" altLang="en-US" sz="5400" b="1" dirty="0" smtClean="0">
+              <a:rPr lang="zh-CN" altLang="en-US" sz="5400" b="1" dirty="0">
                 <a:solidFill>
                   <a:srgbClr val="660033"/>
                 </a:solidFill>
@@ -3191,7 +3209,7 @@
               </a:rPr>
               <a:t>今已明聞救主招呼</a:t>
             </a:r>
-            <a:endParaRPr lang="en-US" altLang="zh-CN" sz="5400" b="1" dirty="0" smtClean="0">
+            <a:endParaRPr lang="en-US" altLang="zh-CN" sz="5400" b="1" dirty="0">
               <a:solidFill>
                 <a:srgbClr val="660033"/>
               </a:solidFill>
@@ -3204,7 +3222,7 @@
               <a:buNone/>
             </a:pPr>
             <a:r>
-              <a:rPr lang="zh-CN" altLang="en-US" sz="5400" b="1" dirty="0" smtClean="0">
+              <a:rPr lang="zh-CN" altLang="en-US" sz="5400" b="1" dirty="0">
                 <a:solidFill>
                   <a:srgbClr val="660033"/>
                 </a:solidFill>
@@ -3219,6 +3237,44 @@
               </a:solidFill>
               <a:latin typeface="微軟正黑體" pitchFamily="34" charset="-120"/>
               <a:ea typeface="微軟正黑體" pitchFamily="34" charset="-120"/>
+            </a:endParaRPr>
+          </a:p>
+        </p:txBody>
+      </p:sp>
+      <p:sp>
+        <p:nvSpPr>
+          <p:cNvPr id="2" name="TextBox 1"/>
+          <p:cNvSpPr txBox="1"/>
+          <p:nvPr/>
+        </p:nvSpPr>
+        <p:spPr>
+          <a:xfrm>
+            <a:off x="1524000" y="1600200"/>
+            <a:ext cx="1115616" cy="1107996"/>
+          </a:xfrm>
+          <a:prstGeom prst="rect">
+            <a:avLst/>
+          </a:prstGeom>
+          <a:noFill/>
+        </p:spPr>
+        <p:txBody>
+          <a:bodyPr wrap="square" rtlCol="0">
+            <a:spAutoFit/>
+          </a:bodyPr>
+          <a:lstStyle/>
+          <a:p>
+            <a:r>
+              <a:rPr lang="en-US" sz="6600" b="1" dirty="0" smtClean="0">
+                <a:solidFill>
+                  <a:srgbClr val="660033"/>
+                </a:solidFill>
+              </a:rPr>
+              <a:t>1.</a:t>
+            </a:r>
+            <a:endParaRPr lang="vi-VN" sz="6600" b="1" dirty="0">
+              <a:solidFill>
+                <a:srgbClr val="660033"/>
+              </a:solidFill>
             </a:endParaRPr>
           </a:p>
         </p:txBody>
@@ -3260,11 +3316,13 @@
         </p:nvSpPr>
         <p:spPr/>
         <p:txBody>
-          <a:bodyPr/>
-          <a:lstStyle/>
-          <a:p>
-            <a:r>
-              <a:rPr lang="zh-CN" altLang="en-US" b="1" dirty="0" smtClean="0">
+          <a:bodyPr>
+            <a:normAutofit/>
+          </a:bodyPr>
+          <a:lstStyle/>
+          <a:p>
+            <a:r>
+              <a:rPr lang="zh-CN" altLang="en-US" sz="4800" b="1" dirty="0">
                 <a:solidFill>
                   <a:srgbClr val="660033"/>
                 </a:solidFill>
@@ -3273,7 +3331,7 @@
               </a:rPr>
               <a:t>跟隨耶穌</a:t>
             </a:r>
-            <a:endParaRPr lang="zh-TW" altLang="en-US" b="1" dirty="0">
+            <a:endParaRPr lang="zh-TW" altLang="en-US" sz="4800" b="1" dirty="0">
               <a:solidFill>
                 <a:srgbClr val="660033"/>
               </a:solidFill>
@@ -3295,7 +3353,7 @@
         </p:nvSpPr>
         <p:spPr>
           <a:xfrm>
-            <a:off x="0" y="1600200"/>
+            <a:off x="1524000" y="1600200"/>
             <a:ext cx="9144000" cy="5257800"/>
           </a:xfrm>
         </p:spPr>
@@ -3309,7 +3367,7 @@
               <a:buNone/>
             </a:pPr>
             <a:r>
-              <a:rPr lang="zh-CN" altLang="en-US" sz="5400" b="1" dirty="0" smtClean="0">
+              <a:rPr lang="zh-CN" altLang="en-US" sz="5400" b="1" dirty="0">
                 <a:solidFill>
                   <a:srgbClr val="660033"/>
                 </a:solidFill>
@@ -3318,7 +3376,7 @@
               </a:rPr>
               <a:t>耶穌領我我必跟隨</a:t>
             </a:r>
-            <a:endParaRPr lang="en-US" altLang="zh-CN" sz="5400" b="1" dirty="0" smtClean="0">
+            <a:endParaRPr lang="en-US" altLang="zh-CN" sz="5400" b="1" dirty="0">
               <a:solidFill>
                 <a:srgbClr val="660033"/>
               </a:solidFill>
@@ -3331,7 +3389,7 @@
               <a:buNone/>
             </a:pPr>
             <a:r>
-              <a:rPr lang="zh-CN" altLang="en-US" sz="5400" b="1" dirty="0" smtClean="0">
+              <a:rPr lang="zh-CN" altLang="en-US" sz="5400" b="1" dirty="0">
                 <a:solidFill>
                   <a:srgbClr val="660033"/>
                 </a:solidFill>
@@ -3340,7 +3398,7 @@
               </a:rPr>
               <a:t>任領何往我必跟隨</a:t>
             </a:r>
-            <a:endParaRPr lang="en-US" altLang="zh-CN" sz="5400" b="1" dirty="0" smtClean="0">
+            <a:endParaRPr lang="en-US" altLang="zh-CN" sz="5400" b="1" dirty="0">
               <a:solidFill>
                 <a:srgbClr val="660033"/>
               </a:solidFill>
@@ -3353,7 +3411,7 @@
               <a:buNone/>
             </a:pPr>
             <a:r>
-              <a:rPr lang="zh-CN" altLang="en-US" sz="5400" b="1" dirty="0" smtClean="0">
+              <a:rPr lang="zh-CN" altLang="en-US" sz="5400" b="1" dirty="0">
                 <a:solidFill>
                   <a:srgbClr val="660033"/>
                 </a:solidFill>
@@ -3362,7 +3420,7 @@
               </a:rPr>
               <a:t>福也苦也終必跟隨</a:t>
             </a:r>
-            <a:endParaRPr lang="en-US" altLang="zh-CN" sz="5400" b="1" dirty="0" smtClean="0">
+            <a:endParaRPr lang="en-US" altLang="zh-CN" sz="5400" b="1" dirty="0">
               <a:solidFill>
                 <a:srgbClr val="660033"/>
               </a:solidFill>
@@ -3375,7 +3433,7 @@
               <a:buNone/>
             </a:pPr>
             <a:r>
-              <a:rPr lang="zh-CN" altLang="en-US" sz="5400" b="1" dirty="0" smtClean="0">
+              <a:rPr lang="zh-CN" altLang="en-US" sz="5400" b="1" dirty="0">
                 <a:solidFill>
                   <a:srgbClr val="660033"/>
                 </a:solidFill>
@@ -3431,11 +3489,13 @@
         </p:nvSpPr>
         <p:spPr/>
         <p:txBody>
-          <a:bodyPr/>
-          <a:lstStyle/>
-          <a:p>
-            <a:r>
-              <a:rPr lang="zh-CN" altLang="en-US" b="1" dirty="0" smtClean="0">
+          <a:bodyPr>
+            <a:normAutofit/>
+          </a:bodyPr>
+          <a:lstStyle/>
+          <a:p>
+            <a:r>
+              <a:rPr lang="zh-CN" altLang="en-US" sz="4800" b="1" dirty="0">
                 <a:solidFill>
                   <a:srgbClr val="660033"/>
                 </a:solidFill>
@@ -3444,7 +3504,7 @@
               </a:rPr>
               <a:t>跟隨耶穌</a:t>
             </a:r>
-            <a:endParaRPr lang="zh-TW" altLang="en-US" b="1" dirty="0">
+            <a:endParaRPr lang="zh-TW" altLang="en-US" sz="4800" b="1" dirty="0">
               <a:solidFill>
                 <a:srgbClr val="660033"/>
               </a:solidFill>
@@ -3466,7 +3526,7 @@
         </p:nvSpPr>
         <p:spPr>
           <a:xfrm>
-            <a:off x="0" y="1600200"/>
+            <a:off x="1524000" y="1600200"/>
             <a:ext cx="9144000" cy="5257800"/>
           </a:xfrm>
         </p:spPr>
@@ -3480,7 +3540,7 @@
               <a:buNone/>
             </a:pPr>
             <a:r>
-              <a:rPr lang="zh-CN" altLang="en-US" sz="5400" b="1" dirty="0" smtClean="0">
+              <a:rPr lang="zh-CN" altLang="en-US" sz="5400" b="1" dirty="0">
                 <a:solidFill>
                   <a:srgbClr val="660033"/>
                 </a:solidFill>
@@ -3489,7 +3549,7 @@
               </a:rPr>
               <a:t>耶穌領我我必跟隨</a:t>
             </a:r>
-            <a:endParaRPr lang="en-US" altLang="zh-CN" sz="5400" b="1" dirty="0" smtClean="0">
+            <a:endParaRPr lang="en-US" altLang="zh-CN" sz="5400" b="1" dirty="0">
               <a:solidFill>
                 <a:srgbClr val="660033"/>
               </a:solidFill>
@@ -3502,7 +3562,7 @@
               <a:buNone/>
             </a:pPr>
             <a:r>
-              <a:rPr lang="zh-CN" altLang="en-US" sz="5400" b="1" dirty="0" smtClean="0">
+              <a:rPr lang="zh-CN" altLang="en-US" sz="5400" b="1" dirty="0">
                 <a:solidFill>
                   <a:srgbClr val="660033"/>
                 </a:solidFill>
@@ -3511,7 +3571,7 @@
               </a:rPr>
               <a:t>任領何往我必跟隨</a:t>
             </a:r>
-            <a:endParaRPr lang="en-US" altLang="zh-CN" sz="5400" b="1" dirty="0" smtClean="0">
+            <a:endParaRPr lang="en-US" altLang="zh-CN" sz="5400" b="1" dirty="0">
               <a:solidFill>
                 <a:srgbClr val="660033"/>
               </a:solidFill>
@@ -3524,7 +3584,7 @@
               <a:buNone/>
             </a:pPr>
             <a:r>
-              <a:rPr lang="zh-CN" altLang="en-US" sz="5400" b="1" dirty="0" smtClean="0">
+              <a:rPr lang="zh-CN" altLang="en-US" sz="5400" b="1" dirty="0">
                 <a:solidFill>
                   <a:srgbClr val="660033"/>
                 </a:solidFill>
@@ -3533,7 +3593,7 @@
               </a:rPr>
               <a:t>福也苦也終必跟隨</a:t>
             </a:r>
-            <a:endParaRPr lang="en-US" altLang="zh-CN" sz="5400" b="1" dirty="0" smtClean="0">
+            <a:endParaRPr lang="en-US" altLang="zh-CN" sz="5400" b="1" dirty="0">
               <a:solidFill>
                 <a:srgbClr val="660033"/>
               </a:solidFill>
@@ -3546,7 +3606,7 @@
               <a:buNone/>
             </a:pPr>
             <a:r>
-              <a:rPr lang="zh-CN" altLang="en-US" sz="5400" b="1" dirty="0" smtClean="0">
+              <a:rPr lang="zh-CN" altLang="en-US" sz="5400" b="1" dirty="0">
                 <a:solidFill>
                   <a:srgbClr val="660033"/>
                 </a:solidFill>
@@ -3602,11 +3662,13 @@
         </p:nvSpPr>
         <p:spPr/>
         <p:txBody>
-          <a:bodyPr/>
-          <a:lstStyle/>
-          <a:p>
-            <a:r>
-              <a:rPr lang="zh-CN" altLang="en-US" b="1" dirty="0" smtClean="0">
+          <a:bodyPr>
+            <a:normAutofit/>
+          </a:bodyPr>
+          <a:lstStyle/>
+          <a:p>
+            <a:r>
+              <a:rPr lang="zh-CN" altLang="en-US" sz="4800" b="1" dirty="0">
                 <a:solidFill>
                   <a:srgbClr val="660033"/>
                 </a:solidFill>
@@ -3615,7 +3677,7 @@
               </a:rPr>
               <a:t>跟隨耶穌</a:t>
             </a:r>
-            <a:endParaRPr lang="zh-TW" altLang="en-US" b="1" dirty="0">
+            <a:endParaRPr lang="zh-TW" altLang="en-US" sz="4800" b="1" dirty="0">
               <a:solidFill>
                 <a:srgbClr val="660033"/>
               </a:solidFill>
@@ -3637,7 +3699,7 @@
         </p:nvSpPr>
         <p:spPr>
           <a:xfrm>
-            <a:off x="0" y="1600200"/>
+            <a:off x="1524000" y="1600200"/>
             <a:ext cx="9144000" cy="5257800"/>
           </a:xfrm>
         </p:spPr>
@@ -3651,7 +3713,7 @@
               <a:buNone/>
             </a:pPr>
             <a:r>
-              <a:rPr lang="zh-CN" altLang="en-US" sz="5400" b="1" dirty="0" smtClean="0">
+              <a:rPr lang="zh-CN" altLang="en-US" sz="5400" b="1" dirty="0">
                 <a:solidFill>
                   <a:srgbClr val="660033"/>
                 </a:solidFill>
@@ -3660,7 +3722,7 @@
               </a:rPr>
               <a:t>我必竭力拒絕惡魔</a:t>
             </a:r>
-            <a:endParaRPr lang="en-US" altLang="zh-CN" sz="5400" b="1" dirty="0" smtClean="0">
+            <a:endParaRPr lang="en-US" altLang="zh-CN" sz="5400" b="1" dirty="0">
               <a:solidFill>
                 <a:srgbClr val="660033"/>
               </a:solidFill>
@@ -3673,7 +3735,7 @@
               <a:buNone/>
             </a:pPr>
             <a:r>
-              <a:rPr lang="zh-CN" altLang="en-US" sz="5400" b="1" dirty="0" smtClean="0">
+              <a:rPr lang="zh-CN" altLang="en-US" sz="5400" b="1" dirty="0">
                 <a:solidFill>
                   <a:srgbClr val="660033"/>
                 </a:solidFill>
@@ -3682,7 +3744,7 @@
               </a:rPr>
               <a:t>我必竭力拒絕惡魔</a:t>
             </a:r>
-            <a:endParaRPr lang="en-US" altLang="zh-CN" sz="5400" b="1" dirty="0" smtClean="0">
+            <a:endParaRPr lang="en-US" altLang="zh-CN" sz="5400" b="1" dirty="0">
               <a:solidFill>
                 <a:srgbClr val="660033"/>
               </a:solidFill>
@@ -3695,7 +3757,7 @@
               <a:buNone/>
             </a:pPr>
             <a:r>
-              <a:rPr lang="zh-CN" altLang="en-US" sz="5400" b="1" dirty="0" smtClean="0">
+              <a:rPr lang="zh-CN" altLang="en-US" sz="5400" b="1" dirty="0">
                 <a:solidFill>
                   <a:srgbClr val="660033"/>
                 </a:solidFill>
@@ -3704,7 +3766,7 @@
               </a:rPr>
               <a:t>我必竭力拒絕惡魔</a:t>
             </a:r>
-            <a:endParaRPr lang="en-US" altLang="zh-CN" sz="5400" b="1" dirty="0" smtClean="0">
+            <a:endParaRPr lang="en-US" altLang="zh-CN" sz="5400" b="1" dirty="0">
               <a:solidFill>
                 <a:srgbClr val="660033"/>
               </a:solidFill>
@@ -3717,7 +3779,7 @@
               <a:buNone/>
             </a:pPr>
             <a:r>
-              <a:rPr lang="zh-CN" altLang="en-US" sz="5400" b="1" dirty="0" smtClean="0">
+              <a:rPr lang="zh-CN" altLang="en-US" sz="5400" b="1" dirty="0">
                 <a:solidFill>
                   <a:srgbClr val="660033"/>
                 </a:solidFill>
@@ -3732,6 +3794,52 @@
               </a:solidFill>
               <a:latin typeface="微軟正黑體" pitchFamily="34" charset="-120"/>
               <a:ea typeface="微軟正黑體" pitchFamily="34" charset="-120"/>
+            </a:endParaRPr>
+          </a:p>
+        </p:txBody>
+      </p:sp>
+      <p:sp>
+        <p:nvSpPr>
+          <p:cNvPr id="6" name="TextBox 5"/>
+          <p:cNvSpPr txBox="1"/>
+          <p:nvPr/>
+        </p:nvSpPr>
+        <p:spPr>
+          <a:xfrm>
+            <a:off x="1524000" y="1600200"/>
+            <a:ext cx="1115616" cy="1107996"/>
+          </a:xfrm>
+          <a:prstGeom prst="rect">
+            <a:avLst/>
+          </a:prstGeom>
+          <a:noFill/>
+        </p:spPr>
+        <p:txBody>
+          <a:bodyPr wrap="square" rtlCol="0">
+            <a:spAutoFit/>
+          </a:bodyPr>
+          <a:lstStyle/>
+          <a:p>
+            <a:r>
+              <a:rPr lang="en-US" sz="6600" b="1" dirty="0">
+                <a:solidFill>
+                  <a:srgbClr val="660033"/>
+                </a:solidFill>
+              </a:rPr>
+              <a:t>2</a:t>
+            </a:r>
+            <a:r>
+              <a:rPr lang="en-US" sz="6600" b="1" dirty="0" smtClean="0">
+                <a:solidFill>
+                  <a:srgbClr val="660033"/>
+                </a:solidFill>
+              </a:rPr>
+              <a:t>.</a:t>
+            </a:r>
+            <a:endParaRPr lang="vi-VN" sz="6600" b="1" dirty="0">
+              <a:solidFill>
+                <a:srgbClr val="660033"/>
+              </a:solidFill>
             </a:endParaRPr>
           </a:p>
         </p:txBody>
@@ -3773,11 +3881,13 @@
         </p:nvSpPr>
         <p:spPr/>
         <p:txBody>
-          <a:bodyPr/>
-          <a:lstStyle/>
-          <a:p>
-            <a:r>
-              <a:rPr lang="zh-CN" altLang="en-US" b="1" dirty="0" smtClean="0">
+          <a:bodyPr>
+            <a:normAutofit/>
+          </a:bodyPr>
+          <a:lstStyle/>
+          <a:p>
+            <a:r>
+              <a:rPr lang="zh-CN" altLang="en-US" sz="4800" b="1" dirty="0">
                 <a:solidFill>
                   <a:srgbClr val="660033"/>
                 </a:solidFill>
@@ -3786,7 +3896,7 @@
               </a:rPr>
               <a:t>跟隨耶穌</a:t>
             </a:r>
-            <a:endParaRPr lang="zh-TW" altLang="en-US" b="1" dirty="0">
+            <a:endParaRPr lang="zh-TW" altLang="en-US" sz="4800" b="1" dirty="0">
               <a:solidFill>
                 <a:srgbClr val="660033"/>
               </a:solidFill>
@@ -3808,7 +3918,7 @@
         </p:nvSpPr>
         <p:spPr>
           <a:xfrm>
-            <a:off x="0" y="1600200"/>
+            <a:off x="1524000" y="1600200"/>
             <a:ext cx="9144000" cy="5257800"/>
           </a:xfrm>
         </p:spPr>
@@ -3822,7 +3932,7 @@
               <a:buNone/>
             </a:pPr>
             <a:r>
-              <a:rPr lang="zh-CN" altLang="en-US" sz="5400" b="1" dirty="0" smtClean="0">
+              <a:rPr lang="zh-CN" altLang="en-US" sz="5400" b="1" dirty="0">
                 <a:solidFill>
                   <a:srgbClr val="660033"/>
                 </a:solidFill>
@@ -3831,7 +3941,7 @@
               </a:rPr>
               <a:t>耶穌領我我必跟隨</a:t>
             </a:r>
-            <a:endParaRPr lang="en-US" altLang="zh-CN" sz="5400" b="1" dirty="0" smtClean="0">
+            <a:endParaRPr lang="en-US" altLang="zh-CN" sz="5400" b="1" dirty="0">
               <a:solidFill>
                 <a:srgbClr val="660033"/>
               </a:solidFill>
@@ -3844,7 +3954,7 @@
               <a:buNone/>
             </a:pPr>
             <a:r>
-              <a:rPr lang="zh-CN" altLang="en-US" sz="5400" b="1" dirty="0" smtClean="0">
+              <a:rPr lang="zh-CN" altLang="en-US" sz="5400" b="1" dirty="0">
                 <a:solidFill>
                   <a:srgbClr val="660033"/>
                 </a:solidFill>
@@ -3853,7 +3963,7 @@
               </a:rPr>
               <a:t>任領何往我必跟隨</a:t>
             </a:r>
-            <a:endParaRPr lang="en-US" altLang="zh-CN" sz="5400" b="1" dirty="0" smtClean="0">
+            <a:endParaRPr lang="en-US" altLang="zh-CN" sz="5400" b="1" dirty="0">
               <a:solidFill>
                 <a:srgbClr val="660033"/>
               </a:solidFill>
@@ -3866,7 +3976,7 @@
               <a:buNone/>
             </a:pPr>
             <a:r>
-              <a:rPr lang="zh-CN" altLang="en-US" sz="5400" b="1" dirty="0" smtClean="0">
+              <a:rPr lang="zh-CN" altLang="en-US" sz="5400" b="1" dirty="0">
                 <a:solidFill>
                   <a:srgbClr val="660033"/>
                 </a:solidFill>
@@ -3875,7 +3985,7 @@
               </a:rPr>
               <a:t>福也苦也終必跟隨</a:t>
             </a:r>
-            <a:endParaRPr lang="en-US" altLang="zh-CN" sz="5400" b="1" dirty="0" smtClean="0">
+            <a:endParaRPr lang="en-US" altLang="zh-CN" sz="5400" b="1" dirty="0">
               <a:solidFill>
                 <a:srgbClr val="660033"/>
               </a:solidFill>
@@ -3888,7 +3998,7 @@
               <a:buNone/>
             </a:pPr>
             <a:r>
-              <a:rPr lang="zh-CN" altLang="en-US" sz="5400" b="1" dirty="0" smtClean="0">
+              <a:rPr lang="zh-CN" altLang="en-US" sz="5400" b="1" dirty="0">
                 <a:solidFill>
                   <a:srgbClr val="660033"/>
                 </a:solidFill>
@@ -3944,11 +4054,13 @@
         </p:nvSpPr>
         <p:spPr/>
         <p:txBody>
-          <a:bodyPr/>
-          <a:lstStyle/>
-          <a:p>
-            <a:r>
-              <a:rPr lang="zh-CN" altLang="en-US" b="1" dirty="0" smtClean="0">
+          <a:bodyPr>
+            <a:normAutofit/>
+          </a:bodyPr>
+          <a:lstStyle/>
+          <a:p>
+            <a:r>
+              <a:rPr lang="zh-CN" altLang="en-US" sz="4800" b="1" dirty="0">
                 <a:solidFill>
                   <a:srgbClr val="660033"/>
                 </a:solidFill>
@@ -3957,7 +4069,7 @@
               </a:rPr>
               <a:t>跟隨耶穌</a:t>
             </a:r>
-            <a:endParaRPr lang="zh-TW" altLang="en-US" b="1" dirty="0">
+            <a:endParaRPr lang="zh-TW" altLang="en-US" sz="4800" b="1" dirty="0">
               <a:solidFill>
                 <a:srgbClr val="660033"/>
               </a:solidFill>
@@ -3979,7 +4091,7 @@
         </p:nvSpPr>
         <p:spPr>
           <a:xfrm>
-            <a:off x="0" y="1600200"/>
+            <a:off x="1524000" y="1600200"/>
             <a:ext cx="9144000" cy="5257800"/>
           </a:xfrm>
         </p:spPr>
@@ -3993,7 +4105,7 @@
               <a:buNone/>
             </a:pPr>
             <a:r>
-              <a:rPr lang="zh-CN" altLang="en-US" sz="5400" b="1" dirty="0" smtClean="0">
+              <a:rPr lang="zh-CN" altLang="en-US" sz="5400" b="1" dirty="0">
                 <a:solidFill>
                   <a:srgbClr val="660033"/>
                 </a:solidFill>
@@ -4002,7 +4114,7 @@
               </a:rPr>
               <a:t>我必時時求主幫扶</a:t>
             </a:r>
-            <a:endParaRPr lang="en-US" altLang="zh-CN" sz="5400" b="1" dirty="0" smtClean="0">
+            <a:endParaRPr lang="en-US" altLang="zh-CN" sz="5400" b="1" dirty="0">
               <a:solidFill>
                 <a:srgbClr val="660033"/>
               </a:solidFill>
@@ -4015,7 +4127,7 @@
               <a:buNone/>
             </a:pPr>
             <a:r>
-              <a:rPr lang="zh-CN" altLang="en-US" sz="5400" b="1" dirty="0" smtClean="0">
+              <a:rPr lang="zh-CN" altLang="en-US" sz="5400" b="1" dirty="0">
                 <a:solidFill>
                   <a:srgbClr val="660033"/>
                 </a:solidFill>
@@ -4024,7 +4136,7 @@
               </a:rPr>
               <a:t>我必時時求主幫扶</a:t>
             </a:r>
-            <a:endParaRPr lang="en-US" altLang="zh-CN" sz="5400" b="1" dirty="0" smtClean="0">
+            <a:endParaRPr lang="en-US" altLang="zh-CN" sz="5400" b="1" dirty="0">
               <a:solidFill>
                 <a:srgbClr val="660033"/>
               </a:solidFill>
@@ -4037,7 +4149,7 @@
               <a:buNone/>
             </a:pPr>
             <a:r>
-              <a:rPr lang="zh-CN" altLang="en-US" sz="5400" b="1" dirty="0" smtClean="0">
+              <a:rPr lang="zh-CN" altLang="en-US" sz="5400" b="1" dirty="0">
                 <a:solidFill>
                   <a:srgbClr val="660033"/>
                 </a:solidFill>
@@ -4046,7 +4158,7 @@
               </a:rPr>
               <a:t>我必時時求主幫扶</a:t>
             </a:r>
-            <a:endParaRPr lang="en-US" altLang="zh-CN" sz="5400" b="1" dirty="0" smtClean="0">
+            <a:endParaRPr lang="en-US" altLang="zh-CN" sz="5400" b="1" dirty="0">
               <a:solidFill>
                 <a:srgbClr val="660033"/>
               </a:solidFill>
@@ -4059,7 +4171,7 @@
               <a:buNone/>
             </a:pPr>
             <a:r>
-              <a:rPr lang="zh-CN" altLang="en-US" sz="5400" b="1" dirty="0" smtClean="0">
+              <a:rPr lang="zh-CN" altLang="en-US" sz="5400" b="1" dirty="0">
                 <a:solidFill>
                   <a:srgbClr val="660033"/>
                 </a:solidFill>
@@ -4068,12 +4180,58 @@
               </a:rPr>
               <a:t>我必隨主隨主行一路</a:t>
             </a:r>
-            <a:endParaRPr lang="zh-TW" altLang="en-US" sz="5400" b="1" dirty="0" smtClean="0">
+            <a:endParaRPr lang="zh-TW" altLang="en-US" sz="5400" b="1" dirty="0">
               <a:solidFill>
                 <a:srgbClr val="660033"/>
               </a:solidFill>
               <a:latin typeface="微軟正黑體" pitchFamily="34" charset="-120"/>
               <a:ea typeface="微軟正黑體" pitchFamily="34" charset="-120"/>
+            </a:endParaRPr>
+          </a:p>
+        </p:txBody>
+      </p:sp>
+      <p:sp>
+        <p:nvSpPr>
+          <p:cNvPr id="6" name="TextBox 5"/>
+          <p:cNvSpPr txBox="1"/>
+          <p:nvPr/>
+        </p:nvSpPr>
+        <p:spPr>
+          <a:xfrm>
+            <a:off x="1524000" y="1600200"/>
+            <a:ext cx="1115616" cy="1107996"/>
+          </a:xfrm>
+          <a:prstGeom prst="rect">
+            <a:avLst/>
+          </a:prstGeom>
+          <a:noFill/>
+        </p:spPr>
+        <p:txBody>
+          <a:bodyPr wrap="square" rtlCol="0">
+            <a:spAutoFit/>
+          </a:bodyPr>
+          <a:lstStyle/>
+          <a:p>
+            <a:r>
+              <a:rPr lang="en-US" sz="6600" b="1" dirty="0">
+                <a:solidFill>
+                  <a:srgbClr val="660033"/>
+                </a:solidFill>
+              </a:rPr>
+              <a:t>3</a:t>
+            </a:r>
+            <a:r>
+              <a:rPr lang="en-US" sz="6600" b="1" dirty="0" smtClean="0">
+                <a:solidFill>
+                  <a:srgbClr val="660033"/>
+                </a:solidFill>
+              </a:rPr>
+              <a:t>.</a:t>
+            </a:r>
+            <a:endParaRPr lang="vi-VN" sz="6600" b="1" dirty="0">
+              <a:solidFill>
+                <a:srgbClr val="660033"/>
+              </a:solidFill>
             </a:endParaRPr>
           </a:p>
         </p:txBody>
@@ -4115,11 +4273,13 @@
         </p:nvSpPr>
         <p:spPr/>
         <p:txBody>
-          <a:bodyPr/>
-          <a:lstStyle/>
-          <a:p>
-            <a:r>
-              <a:rPr lang="zh-CN" altLang="en-US" b="1" dirty="0" smtClean="0">
+          <a:bodyPr>
+            <a:normAutofit/>
+          </a:bodyPr>
+          <a:lstStyle/>
+          <a:p>
+            <a:r>
+              <a:rPr lang="zh-CN" altLang="en-US" sz="4800" b="1" dirty="0">
                 <a:solidFill>
                   <a:srgbClr val="660033"/>
                 </a:solidFill>
@@ -4128,7 +4288,7 @@
               </a:rPr>
               <a:t>跟隨耶穌</a:t>
             </a:r>
-            <a:endParaRPr lang="zh-TW" altLang="en-US" b="1" dirty="0">
+            <a:endParaRPr lang="zh-TW" altLang="en-US" sz="4800" b="1" dirty="0">
               <a:solidFill>
                 <a:srgbClr val="660033"/>
               </a:solidFill>
@@ -4150,7 +4310,7 @@
         </p:nvSpPr>
         <p:spPr>
           <a:xfrm>
-            <a:off x="0" y="1600200"/>
+            <a:off x="1524000" y="1600200"/>
             <a:ext cx="9144000" cy="5257800"/>
           </a:xfrm>
         </p:spPr>
@@ -4164,7 +4324,7 @@
               <a:buNone/>
             </a:pPr>
             <a:r>
-              <a:rPr lang="zh-CN" altLang="en-US" sz="5400" b="1" dirty="0" smtClean="0">
+              <a:rPr lang="zh-CN" altLang="en-US" sz="5400" b="1" dirty="0">
                 <a:solidFill>
                   <a:srgbClr val="660033"/>
                 </a:solidFill>
@@ -4173,7 +4333,7 @@
               </a:rPr>
               <a:t>耶穌領我我必跟隨</a:t>
             </a:r>
-            <a:endParaRPr lang="en-US" altLang="zh-CN" sz="5400" b="1" dirty="0" smtClean="0">
+            <a:endParaRPr lang="en-US" altLang="zh-CN" sz="5400" b="1" dirty="0">
               <a:solidFill>
                 <a:srgbClr val="660033"/>
               </a:solidFill>
@@ -4186,7 +4346,7 @@
               <a:buNone/>
             </a:pPr>
             <a:r>
-              <a:rPr lang="zh-CN" altLang="en-US" sz="5400" b="1" dirty="0" smtClean="0">
+              <a:rPr lang="zh-CN" altLang="en-US" sz="5400" b="1" dirty="0">
                 <a:solidFill>
                   <a:srgbClr val="660033"/>
                 </a:solidFill>
@@ -4195,7 +4355,7 @@
               </a:rPr>
               <a:t>任領何往我必跟隨</a:t>
             </a:r>
-            <a:endParaRPr lang="en-US" altLang="zh-CN" sz="5400" b="1" dirty="0" smtClean="0">
+            <a:endParaRPr lang="en-US" altLang="zh-CN" sz="5400" b="1" dirty="0">
               <a:solidFill>
                 <a:srgbClr val="660033"/>
               </a:solidFill>
@@ -4208,7 +4368,7 @@
               <a:buNone/>
             </a:pPr>
             <a:r>
-              <a:rPr lang="zh-CN" altLang="en-US" sz="5400" b="1" dirty="0" smtClean="0">
+              <a:rPr lang="zh-CN" altLang="en-US" sz="5400" b="1" dirty="0">
                 <a:solidFill>
                   <a:srgbClr val="660033"/>
                 </a:solidFill>
@@ -4217,7 +4377,7 @@
               </a:rPr>
               <a:t>福也苦也終必跟隨</a:t>
             </a:r>
-            <a:endParaRPr lang="en-US" altLang="zh-CN" sz="5400" b="1" dirty="0" smtClean="0">
+            <a:endParaRPr lang="en-US" altLang="zh-CN" sz="5400" b="1" dirty="0">
               <a:solidFill>
                 <a:srgbClr val="660033"/>
               </a:solidFill>
@@ -4230,7 +4390,7 @@
               <a:buNone/>
             </a:pPr>
             <a:r>
-              <a:rPr lang="zh-CN" altLang="en-US" sz="5400" b="1" dirty="0" smtClean="0">
+              <a:rPr lang="zh-CN" altLang="en-US" sz="5400" b="1" dirty="0">
                 <a:solidFill>
                   <a:srgbClr val="660033"/>
                 </a:solidFill>
@@ -4286,11 +4446,13 @@
         </p:nvSpPr>
         <p:spPr/>
         <p:txBody>
-          <a:bodyPr/>
-          <a:lstStyle/>
-          <a:p>
-            <a:r>
-              <a:rPr lang="zh-CN" altLang="en-US" b="1" dirty="0" smtClean="0">
+          <a:bodyPr>
+            <a:normAutofit/>
+          </a:bodyPr>
+          <a:lstStyle/>
+          <a:p>
+            <a:r>
+              <a:rPr lang="zh-CN" altLang="en-US" sz="4800" b="1" dirty="0">
                 <a:solidFill>
                   <a:srgbClr val="660033"/>
                 </a:solidFill>
@@ -4299,7 +4461,7 @@
               </a:rPr>
               <a:t>跟隨耶穌</a:t>
             </a:r>
-            <a:endParaRPr lang="zh-TW" altLang="en-US" b="1" dirty="0">
+            <a:endParaRPr lang="zh-TW" altLang="en-US" sz="4800" b="1" dirty="0">
               <a:solidFill>
                 <a:srgbClr val="660033"/>
               </a:solidFill>
@@ -4321,7 +4483,7 @@
         </p:nvSpPr>
         <p:spPr>
           <a:xfrm>
-            <a:off x="0" y="1600200"/>
+            <a:off x="1524000" y="1600200"/>
             <a:ext cx="9144000" cy="5257800"/>
           </a:xfrm>
         </p:spPr>
@@ -4335,7 +4497,7 @@
               <a:buNone/>
             </a:pPr>
             <a:r>
-              <a:rPr lang="zh-CN" altLang="en-US" sz="5400" b="1" dirty="0" smtClean="0">
+              <a:rPr lang="zh-CN" altLang="en-US" sz="5400" b="1" dirty="0">
                 <a:solidFill>
                   <a:srgbClr val="660033"/>
                 </a:solidFill>
@@ -4344,7 +4506,7 @@
               </a:rPr>
               <a:t>我必身心專獻耶穌</a:t>
             </a:r>
-            <a:endParaRPr lang="en-US" altLang="zh-CN" sz="5400" b="1" dirty="0" smtClean="0">
+            <a:endParaRPr lang="en-US" altLang="zh-CN" sz="5400" b="1" dirty="0">
               <a:solidFill>
                 <a:srgbClr val="660033"/>
               </a:solidFill>
@@ -4357,7 +4519,7 @@
               <a:buNone/>
             </a:pPr>
             <a:r>
-              <a:rPr lang="zh-CN" altLang="en-US" sz="5400" b="1" dirty="0" smtClean="0">
+              <a:rPr lang="zh-CN" altLang="en-US" sz="5400" b="1" dirty="0">
                 <a:solidFill>
                   <a:srgbClr val="660033"/>
                 </a:solidFill>
@@ -4366,7 +4528,7 @@
               </a:rPr>
               <a:t>我必身心專獻耶穌</a:t>
             </a:r>
-            <a:endParaRPr lang="en-US" altLang="zh-CN" sz="5400" b="1" dirty="0" smtClean="0">
+            <a:endParaRPr lang="en-US" altLang="zh-CN" sz="5400" b="1" dirty="0">
               <a:solidFill>
                 <a:srgbClr val="660033"/>
               </a:solidFill>
@@ -4379,7 +4541,7 @@
               <a:buNone/>
             </a:pPr>
             <a:r>
-              <a:rPr lang="zh-CN" altLang="en-US" sz="5400" b="1" dirty="0" smtClean="0">
+              <a:rPr lang="zh-CN" altLang="en-US" sz="5400" b="1" dirty="0">
                 <a:solidFill>
                   <a:srgbClr val="660033"/>
                 </a:solidFill>
@@ -4388,7 +4550,7 @@
               </a:rPr>
               <a:t>我必身心專獻耶穌</a:t>
             </a:r>
-            <a:endParaRPr lang="en-US" altLang="zh-CN" sz="5400" b="1" dirty="0" smtClean="0">
+            <a:endParaRPr lang="en-US" altLang="zh-CN" sz="5400" b="1" dirty="0">
               <a:solidFill>
                 <a:srgbClr val="660033"/>
               </a:solidFill>
@@ -4401,7 +4563,7 @@
               <a:buNone/>
             </a:pPr>
             <a:r>
-              <a:rPr lang="zh-CN" altLang="en-US" sz="5400" b="1" dirty="0" smtClean="0">
+              <a:rPr lang="zh-CN" altLang="en-US" sz="5400" b="1" dirty="0">
                 <a:solidFill>
                   <a:srgbClr val="660033"/>
                 </a:solidFill>
@@ -4410,12 +4572,58 @@
               </a:rPr>
               <a:t>我必隨主隨主行一路</a:t>
             </a:r>
-            <a:endParaRPr lang="zh-TW" altLang="en-US" sz="5400" b="1" dirty="0" smtClean="0">
+            <a:endParaRPr lang="zh-TW" altLang="en-US" sz="5400" b="1" dirty="0">
               <a:solidFill>
                 <a:srgbClr val="660033"/>
               </a:solidFill>
               <a:latin typeface="微軟正黑體" pitchFamily="34" charset="-120"/>
               <a:ea typeface="微軟正黑體" pitchFamily="34" charset="-120"/>
+            </a:endParaRPr>
+          </a:p>
+        </p:txBody>
+      </p:sp>
+      <p:sp>
+        <p:nvSpPr>
+          <p:cNvPr id="6" name="TextBox 5"/>
+          <p:cNvSpPr txBox="1"/>
+          <p:nvPr/>
+        </p:nvSpPr>
+        <p:spPr>
+          <a:xfrm>
+            <a:off x="1524000" y="1600200"/>
+            <a:ext cx="1115616" cy="1107996"/>
+          </a:xfrm>
+          <a:prstGeom prst="rect">
+            <a:avLst/>
+          </a:prstGeom>
+          <a:noFill/>
+        </p:spPr>
+        <p:txBody>
+          <a:bodyPr wrap="square" rtlCol="0">
+            <a:spAutoFit/>
+          </a:bodyPr>
+          <a:lstStyle/>
+          <a:p>
+            <a:r>
+              <a:rPr lang="en-US" sz="6600" b="1" dirty="0">
+                <a:solidFill>
+                  <a:srgbClr val="660033"/>
+                </a:solidFill>
+              </a:rPr>
+              <a:t>4</a:t>
+            </a:r>
+            <a:r>
+              <a:rPr lang="en-US" sz="6600" b="1" dirty="0" smtClean="0">
+                <a:solidFill>
+                  <a:srgbClr val="660033"/>
+                </a:solidFill>
+              </a:rPr>
+              <a:t>.</a:t>
+            </a:r>
+            <a:endParaRPr lang="vi-VN" sz="6600" b="1" dirty="0">
+              <a:solidFill>
+                <a:srgbClr val="660033"/>
+              </a:solidFill>
             </a:endParaRPr>
           </a:p>
         </p:txBody>
@@ -4457,11 +4665,13 @@
         </p:nvSpPr>
         <p:spPr/>
         <p:txBody>
-          <a:bodyPr/>
-          <a:lstStyle/>
-          <a:p>
-            <a:r>
-              <a:rPr lang="zh-CN" altLang="en-US" b="1" dirty="0" smtClean="0">
+          <a:bodyPr>
+            <a:normAutofit/>
+          </a:bodyPr>
+          <a:lstStyle/>
+          <a:p>
+            <a:r>
+              <a:rPr lang="zh-CN" altLang="en-US" sz="4800" b="1" dirty="0">
                 <a:solidFill>
                   <a:srgbClr val="660033"/>
                 </a:solidFill>
@@ -4470,7 +4680,7 @@
               </a:rPr>
               <a:t>跟隨耶穌</a:t>
             </a:r>
-            <a:endParaRPr lang="zh-TW" altLang="en-US" b="1" dirty="0">
+            <a:endParaRPr lang="zh-TW" altLang="en-US" sz="4800" b="1" dirty="0">
               <a:solidFill>
                 <a:srgbClr val="660033"/>
               </a:solidFill>
@@ -4492,7 +4702,7 @@
         </p:nvSpPr>
         <p:spPr>
           <a:xfrm>
-            <a:off x="0" y="1600200"/>
+            <a:off x="1524000" y="1600200"/>
             <a:ext cx="9144000" cy="5257800"/>
           </a:xfrm>
         </p:spPr>
@@ -4506,7 +4716,7 @@
               <a:buNone/>
             </a:pPr>
             <a:r>
-              <a:rPr lang="zh-CN" altLang="en-US" sz="5400" b="1" dirty="0" smtClean="0">
+              <a:rPr lang="zh-CN" altLang="en-US" sz="5400" b="1" dirty="0">
                 <a:solidFill>
                   <a:srgbClr val="660033"/>
                 </a:solidFill>
@@ -4515,7 +4725,7 @@
               </a:rPr>
               <a:t>耶穌領我我必跟隨</a:t>
             </a:r>
-            <a:endParaRPr lang="en-US" altLang="zh-CN" sz="5400" b="1" dirty="0" smtClean="0">
+            <a:endParaRPr lang="en-US" altLang="zh-CN" sz="5400" b="1" dirty="0">
               <a:solidFill>
                 <a:srgbClr val="660033"/>
               </a:solidFill>
@@ -4528,7 +4738,7 @@
               <a:buNone/>
             </a:pPr>
             <a:r>
-              <a:rPr lang="zh-CN" altLang="en-US" sz="5400" b="1" dirty="0" smtClean="0">
+              <a:rPr lang="zh-CN" altLang="en-US" sz="5400" b="1" dirty="0">
                 <a:solidFill>
                   <a:srgbClr val="660033"/>
                 </a:solidFill>
@@ -4537,7 +4747,7 @@
               </a:rPr>
               <a:t>任領何往我必跟隨</a:t>
             </a:r>
-            <a:endParaRPr lang="en-US" altLang="zh-CN" sz="5400" b="1" dirty="0" smtClean="0">
+            <a:endParaRPr lang="en-US" altLang="zh-CN" sz="5400" b="1" dirty="0">
               <a:solidFill>
                 <a:srgbClr val="660033"/>
               </a:solidFill>
@@ -4550,7 +4760,7 @@
               <a:buNone/>
             </a:pPr>
             <a:r>
-              <a:rPr lang="zh-CN" altLang="en-US" sz="5400" b="1" dirty="0" smtClean="0">
+              <a:rPr lang="zh-CN" altLang="en-US" sz="5400" b="1" dirty="0">
                 <a:solidFill>
                   <a:srgbClr val="660033"/>
                 </a:solidFill>
@@ -4559,7 +4769,7 @@
               </a:rPr>
               <a:t>福也苦也終必跟隨</a:t>
             </a:r>
-            <a:endParaRPr lang="en-US" altLang="zh-CN" sz="5400" b="1" dirty="0" smtClean="0">
+            <a:endParaRPr lang="en-US" altLang="zh-CN" sz="5400" b="1" dirty="0">
               <a:solidFill>
                 <a:srgbClr val="660033"/>
               </a:solidFill>
@@ -4572,7 +4782,7 @@
               <a:buNone/>
             </a:pPr>
             <a:r>
-              <a:rPr lang="zh-CN" altLang="en-US" sz="5400" b="1" dirty="0" smtClean="0">
+              <a:rPr lang="zh-CN" altLang="en-US" sz="5400" b="1" dirty="0">
                 <a:solidFill>
                   <a:srgbClr val="660033"/>
                 </a:solidFill>
@@ -4628,11 +4838,13 @@
         </p:nvSpPr>
         <p:spPr/>
         <p:txBody>
-          <a:bodyPr/>
-          <a:lstStyle/>
-          <a:p>
-            <a:r>
-              <a:rPr lang="zh-CN" altLang="en-US" b="1" dirty="0" smtClean="0">
+          <a:bodyPr>
+            <a:normAutofit/>
+          </a:bodyPr>
+          <a:lstStyle/>
+          <a:p>
+            <a:r>
+              <a:rPr lang="zh-CN" altLang="en-US" sz="4800" b="1" dirty="0">
                 <a:solidFill>
                   <a:srgbClr val="660033"/>
                 </a:solidFill>
@@ -4641,7 +4853,7 @@
               </a:rPr>
               <a:t>跟隨耶穌</a:t>
             </a:r>
-            <a:endParaRPr lang="zh-TW" altLang="en-US" b="1" dirty="0">
+            <a:endParaRPr lang="zh-TW" altLang="en-US" sz="4800" b="1" dirty="0">
               <a:solidFill>
                 <a:srgbClr val="660033"/>
               </a:solidFill>
@@ -4663,7 +4875,7 @@
         </p:nvSpPr>
         <p:spPr>
           <a:xfrm>
-            <a:off x="0" y="1600200"/>
+            <a:off x="1524000" y="1600200"/>
             <a:ext cx="9144000" cy="5257800"/>
           </a:xfrm>
         </p:spPr>
@@ -4677,7 +4889,7 @@
               <a:buNone/>
             </a:pPr>
             <a:r>
-              <a:rPr lang="zh-CN" altLang="en-US" sz="5400" b="1" dirty="0" smtClean="0">
+              <a:rPr lang="zh-CN" altLang="en-US" sz="5400" b="1" dirty="0">
                 <a:solidFill>
                   <a:srgbClr val="660033"/>
                 </a:solidFill>
@@ -4686,7 +4898,7 @@
               </a:rPr>
               <a:t>主必賜我恩寵光榮</a:t>
             </a:r>
-            <a:endParaRPr lang="en-US" altLang="zh-CN" sz="5400" b="1" dirty="0" smtClean="0">
+            <a:endParaRPr lang="en-US" altLang="zh-CN" sz="5400" b="1" dirty="0">
               <a:solidFill>
                 <a:srgbClr val="660033"/>
               </a:solidFill>
@@ -4699,7 +4911,7 @@
               <a:buNone/>
             </a:pPr>
             <a:r>
-              <a:rPr lang="zh-CN" altLang="en-US" sz="5400" b="1" dirty="0" smtClean="0">
+              <a:rPr lang="zh-CN" altLang="en-US" sz="5400" b="1" dirty="0">
                 <a:solidFill>
                   <a:srgbClr val="660033"/>
                 </a:solidFill>
@@ -4708,7 +4920,7 @@
               </a:rPr>
               <a:t>主必賜我恩寵光榮</a:t>
             </a:r>
-            <a:endParaRPr lang="en-US" altLang="zh-CN" sz="5400" b="1" dirty="0" smtClean="0">
+            <a:endParaRPr lang="en-US" altLang="zh-CN" sz="5400" b="1" dirty="0">
               <a:solidFill>
                 <a:srgbClr val="660033"/>
               </a:solidFill>
@@ -4721,7 +4933,7 @@
               <a:buNone/>
             </a:pPr>
             <a:r>
-              <a:rPr lang="zh-CN" altLang="en-US" sz="5400" b="1" dirty="0" smtClean="0">
+              <a:rPr lang="zh-CN" altLang="en-US" sz="5400" b="1" dirty="0">
                 <a:solidFill>
                   <a:srgbClr val="660033"/>
                 </a:solidFill>
@@ -4730,7 +4942,7 @@
               </a:rPr>
               <a:t>主必賜我恩寵光榮</a:t>
             </a:r>
-            <a:endParaRPr lang="en-US" altLang="zh-CN" sz="5400" b="1" dirty="0" smtClean="0">
+            <a:endParaRPr lang="en-US" altLang="zh-CN" sz="5400" b="1" dirty="0">
               <a:solidFill>
                 <a:srgbClr val="660033"/>
               </a:solidFill>
@@ -4743,7 +4955,7 @@
               <a:buNone/>
             </a:pPr>
             <a:r>
-              <a:rPr lang="zh-CN" altLang="en-US" sz="5400" b="1" dirty="0" smtClean="0">
+              <a:rPr lang="zh-CN" altLang="en-US" sz="5400" b="1" dirty="0">
                 <a:solidFill>
                   <a:srgbClr val="660033"/>
                 </a:solidFill>
@@ -4752,12 +4964,58 @@
               </a:rPr>
               <a:t>主必同我同我行一路</a:t>
             </a:r>
-            <a:endParaRPr lang="zh-TW" altLang="en-US" sz="5400" b="1" dirty="0" smtClean="0">
+            <a:endParaRPr lang="zh-TW" altLang="en-US" sz="5400" b="1" dirty="0">
               <a:solidFill>
                 <a:srgbClr val="660033"/>
               </a:solidFill>
               <a:latin typeface="微軟正黑體" pitchFamily="34" charset="-120"/>
               <a:ea typeface="微軟正黑體" pitchFamily="34" charset="-120"/>
+            </a:endParaRPr>
+          </a:p>
+        </p:txBody>
+      </p:sp>
+      <p:sp>
+        <p:nvSpPr>
+          <p:cNvPr id="6" name="TextBox 5"/>
+          <p:cNvSpPr txBox="1"/>
+          <p:nvPr/>
+        </p:nvSpPr>
+        <p:spPr>
+          <a:xfrm>
+            <a:off x="1524000" y="1600200"/>
+            <a:ext cx="1115616" cy="1107996"/>
+          </a:xfrm>
+          <a:prstGeom prst="rect">
+            <a:avLst/>
+          </a:prstGeom>
+          <a:noFill/>
+        </p:spPr>
+        <p:txBody>
+          <a:bodyPr wrap="square" rtlCol="0">
+            <a:spAutoFit/>
+          </a:bodyPr>
+          <a:lstStyle/>
+          <a:p>
+            <a:r>
+              <a:rPr lang="en-US" sz="6600" b="1" dirty="0">
+                <a:solidFill>
+                  <a:srgbClr val="660033"/>
+                </a:solidFill>
+              </a:rPr>
+              <a:t>5</a:t>
+            </a:r>
+            <a:r>
+              <a:rPr lang="en-US" sz="6600" b="1" dirty="0" smtClean="0">
+                <a:solidFill>
+                  <a:srgbClr val="660033"/>
+                </a:solidFill>
+              </a:rPr>
+              <a:t>.</a:t>
+            </a:r>
+            <a:endParaRPr lang="vi-VN" sz="6600" b="1" dirty="0">
+              <a:solidFill>
+                <a:srgbClr val="660033"/>
+              </a:solidFill>
             </a:endParaRPr>
           </a:p>
         </p:txBody>
